--- a/source/assets/datacite.pptx
+++ b/source/assets/datacite.pptx
@@ -3197,7 +3197,7 @@
                   <a:srgbClr val="747474"/>
                 </a:solidFill>
               </a:rPr>
-              <a:t>DataCite was founded in 2009 as an international organisation which aims to:</a:t>
+              <a:t>DataCite was founded in 2009 as an international organization which aims to:</a:t>
             </a:r>
             <a:endParaRPr sz="5000">
               <a:solidFill>
@@ -3492,7 +3492,7 @@
                 <a:cs typeface="Helvetica Neue"/>
                 <a:sym typeface="Helvetica Neue"/>
               </a:rPr>
-              <a:t>data centres</a:t>
+              <a:t>data centers</a:t>
             </a:r>
             <a:r>
               <a:rPr sz="4700">
@@ -3664,7 +3664,7 @@
                   <a:srgbClr val="747474"/>
                 </a:solidFill>
               </a:rPr>
-              <a:t>DataCite has 40 members and more than 800 data centers around the world</a:t>
+              <a:t>DataCite has 42 members and more than 800 data centers around the world</a:t>
             </a:r>
             <a:endParaRPr sz="5000">
               <a:solidFill>
@@ -3681,12 +3681,24 @@
               </a:defRPr>
             </a:pPr>
             <a:r>
+              <a:rPr b="1" sz="5000">
+                <a:solidFill>
+                  <a:srgbClr val="747474"/>
+                </a:solidFill>
+                <a:latin typeface="Helvetica Neue"/>
+                <a:ea typeface="Helvetica Neue"/>
+                <a:cs typeface="Helvetica Neue"/>
+                <a:sym typeface="Helvetica Neue"/>
+              </a:rPr>
+              <a:t>Allocating members</a:t>
+            </a:r>
+            <a:r>
               <a:rPr sz="5000">
                 <a:solidFill>
                   <a:srgbClr val="747474"/>
                 </a:solidFill>
               </a:rPr>
-              <a:t>Allocating members:  they allocate DOI names and use the Registration Agency of DataCite in their capacity as allocating agents. They work actively with data centres and users for the purpose of issuing DOIs.</a:t>
+              <a:t>:  they allocate DOI names and use the Registration Agency of DataCite in their capacity as allocating agents. They work actively with data centers and users for the purpose of issuing DOIs.</a:t>
             </a:r>
             <a:endParaRPr sz="5000">
               <a:solidFill>
@@ -3703,12 +3715,24 @@
               </a:defRPr>
             </a:pPr>
             <a:r>
+              <a:rPr b="1" sz="5000">
+                <a:solidFill>
+                  <a:srgbClr val="747474"/>
+                </a:solidFill>
+                <a:latin typeface="Helvetica Neue"/>
+                <a:ea typeface="Helvetica Neue"/>
+                <a:cs typeface="Helvetica Neue"/>
+                <a:sym typeface="Helvetica Neue"/>
+              </a:rPr>
+              <a:t>Non-allocating members</a:t>
+            </a:r>
+            <a:r>
               <a:rPr sz="5000">
                 <a:solidFill>
                   <a:srgbClr val="747474"/>
                 </a:solidFill>
               </a:rPr>
-              <a:t>Non-allocating members: those who support DataCite's mission but do not wish to allocate DOI names. They work actively with DataCite and the wide research data community, but do not act as allocating agents.</a:t>
+              <a:t>: those who support DataCite's mission but do not wish to allocate DOI names. They work actively with DataCite and the wide research data community, but do not act as allocating agents.</a:t>
             </a:r>
           </a:p>
         </p:txBody>
